--- a/docs/articles/assets/pptx/ph_with_location_label.pptx
+++ b/docs/articles/assets/pptx/ph_with_location_label.pptx
@@ -2216,7 +2216,7 @@
       </p:grpSpPr>
       <p:graphicFrame xmlns:a="http://schemas.openxmlformats.org/drawingml/2006/main" xmlns:r="http://schemas.openxmlformats.org/officeDocument/2006/relationships" xmlns:p="http://schemas.openxmlformats.org/presentationml/2006/main">
         <p:nvGraphicFramePr>
-          <p:cNvPr id="2" name=""/>
+          <p:cNvPr id="2" name="Content Placeholder 2"/>
           <p:cNvGraphicFramePr>
             <a:graphicFrameLocks noGrp="true"/>
           </p:cNvGraphicFramePr>
